--- a/Presentation.pptx
+++ b/Presentation.pptx
@@ -3006,7 +3006,7 @@
           <p:cNvPr id="12" name="Rectangle 11">
             <a:extLst>
               <a:ext uri="{FF2B5EF4-FFF2-40B4-BE49-F238E27FC236}">
-                <a16:creationId xmlns="" xmlns:a16="http://schemas.microsoft.com/office/drawing/2014/main" id="{A4D1B484-2E06-3444-B8CD-14711A857D25}"/>
+                <a16:creationId xmlns:a16="http://schemas.microsoft.com/office/drawing/2014/main" xmlns="" id="{A4D1B484-2E06-3444-B8CD-14711A857D25}"/>
               </a:ext>
             </a:extLst>
           </p:cNvPr>
@@ -3015,7 +3015,7 @@
         </p:nvSpPr>
         <p:spPr>
           <a:xfrm>
-            <a:off x="0" y="0"/>
+            <a:off x="0" y="-20549"/>
             <a:ext cx="11887200" cy="6858000"/>
           </a:xfrm>
           <a:prstGeom prst="rect">
@@ -3066,7 +3066,7 @@
           <p:cNvPr id="5" name="Title Placeholder 7">
             <a:extLst>
               <a:ext uri="{FF2B5EF4-FFF2-40B4-BE49-F238E27FC236}">
-                <a16:creationId xmlns="" xmlns:a16="http://schemas.microsoft.com/office/drawing/2014/main" id="{CAEA356E-67EF-904F-A492-5B4AE0483B05}"/>
+                <a16:creationId xmlns:a16="http://schemas.microsoft.com/office/drawing/2014/main" xmlns="" id="{CAEA356E-67EF-904F-A492-5B4AE0483B05}"/>
               </a:ext>
             </a:extLst>
           </p:cNvPr>
@@ -3125,7 +3125,7 @@
           <p:cNvPr id="6" name="Straight Connector 5">
             <a:extLst>
               <a:ext uri="{FF2B5EF4-FFF2-40B4-BE49-F238E27FC236}">
-                <a16:creationId xmlns="" xmlns:a16="http://schemas.microsoft.com/office/drawing/2014/main" id="{5A76653E-C333-564C-BEF6-6B38E0875F02}"/>
+                <a16:creationId xmlns:a16="http://schemas.microsoft.com/office/drawing/2014/main" xmlns="" id="{5A76653E-C333-564C-BEF6-6B38E0875F02}"/>
               </a:ext>
             </a:extLst>
           </p:cNvPr>
@@ -3403,7 +3403,7 @@
           <p:cNvPr id="9" name="Rectangle 8">
             <a:extLst>
               <a:ext uri="{FF2B5EF4-FFF2-40B4-BE49-F238E27FC236}">
-                <a16:creationId xmlns="" xmlns:a16="http://schemas.microsoft.com/office/drawing/2014/main" id="{37F7AA40-E624-384F-A9FD-A3A51FCE2DDF}"/>
+                <a16:creationId xmlns:a16="http://schemas.microsoft.com/office/drawing/2014/main" xmlns="" id="{37F7AA40-E624-384F-A9FD-A3A51FCE2DDF}"/>
               </a:ext>
             </a:extLst>
           </p:cNvPr>
@@ -3463,7 +3463,7 @@
           <p:cNvPr id="10" name="Rectangle 9">
             <a:extLst>
               <a:ext uri="{FF2B5EF4-FFF2-40B4-BE49-F238E27FC236}">
-                <a16:creationId xmlns="" xmlns:a16="http://schemas.microsoft.com/office/drawing/2014/main" id="{536598A2-8C9C-2F4F-8E30-F2735B9C82FE}"/>
+                <a16:creationId xmlns:a16="http://schemas.microsoft.com/office/drawing/2014/main" xmlns="" id="{536598A2-8C9C-2F4F-8E30-F2735B9C82FE}"/>
               </a:ext>
             </a:extLst>
           </p:cNvPr>
@@ -3837,6 +3837,47 @@
           </a:extLst>
         </p:spPr>
       </p:pic>
+      <p:sp>
+        <p:nvSpPr>
+          <p:cNvPr id="2" name="TextBox 1"/>
+          <p:cNvSpPr txBox="1"/>
+          <p:nvPr/>
+        </p:nvSpPr>
+        <p:spPr>
+          <a:xfrm>
+            <a:off x="711200" y="4109663"/>
+            <a:ext cx="11062984" cy="646331"/>
+          </a:xfrm>
+          <a:prstGeom prst="rect">
+            <a:avLst/>
+          </a:prstGeom>
+          <a:noFill/>
+        </p:spPr>
+        <p:txBody>
+          <a:bodyPr wrap="square" rtlCol="0">
+            <a:spAutoFit/>
+          </a:bodyPr>
+          <a:lstStyle/>
+          <a:p>
+            <a:r>
+              <a:rPr lang="en-US" dirty="0" smtClean="0">
+                <a:solidFill>
+                  <a:schemeClr val="bg1"/>
+                </a:solidFill>
+              </a:rPr>
+              <a:t>All relevant code is </a:t>
+            </a:r>
+            <a:r>
+              <a:rPr lang="en-US" dirty="0">
+                <a:solidFill>
+                  <a:schemeClr val="bg1"/>
+                </a:solidFill>
+              </a:rPr>
+              <a:t>at link: https://github.com/V-Rang/CSE-392-Parallel-Algorithms-for-Scientific-Computing-Project---Parallel-Support-Vector-Machines</a:t>
+            </a:r>
+          </a:p>
+        </p:txBody>
+      </p:sp>
     </p:spTree>
     <p:extLst>
       <p:ext uri="{BB962C8B-B14F-4D97-AF65-F5344CB8AC3E}">
@@ -4100,7 +4141,7 @@
           <p:cNvPr id="6" name="Rectangle 5">
             <a:extLst>
               <a:ext uri="{FF2B5EF4-FFF2-40B4-BE49-F238E27FC236}">
-                <a16:creationId xmlns="" xmlns:a16="http://schemas.microsoft.com/office/drawing/2014/main" id="{358D3D15-1563-A141-919D-3F4F5E3A757A}"/>
+                <a16:creationId xmlns:a16="http://schemas.microsoft.com/office/drawing/2014/main" xmlns="" id="{358D3D15-1563-A141-919D-3F4F5E3A757A}"/>
               </a:ext>
             </a:extLst>
           </p:cNvPr>
@@ -4152,7 +4193,7 @@
           <p:cNvPr id="7" name="Rectangle 6">
             <a:extLst>
               <a:ext uri="{FF2B5EF4-FFF2-40B4-BE49-F238E27FC236}">
-                <a16:creationId xmlns="" xmlns:a16="http://schemas.microsoft.com/office/drawing/2014/main" id="{F8146D51-2107-1E45-9A44-E0217DAFA756}"/>
+                <a16:creationId xmlns:a16="http://schemas.microsoft.com/office/drawing/2014/main" xmlns="" id="{F8146D51-2107-1E45-9A44-E0217DAFA756}"/>
               </a:ext>
             </a:extLst>
           </p:cNvPr>
@@ -4595,7 +4636,7 @@
           <p:cNvPr id="6" name="Rectangle 5">
             <a:extLst>
               <a:ext uri="{FF2B5EF4-FFF2-40B4-BE49-F238E27FC236}">
-                <a16:creationId xmlns="" xmlns:a16="http://schemas.microsoft.com/office/drawing/2014/main" id="{358D3D15-1563-A141-919D-3F4F5E3A757A}"/>
+                <a16:creationId xmlns:a16="http://schemas.microsoft.com/office/drawing/2014/main" xmlns="" id="{358D3D15-1563-A141-919D-3F4F5E3A757A}"/>
               </a:ext>
             </a:extLst>
           </p:cNvPr>
@@ -4647,7 +4688,7 @@
           <p:cNvPr id="7" name="Rectangle 6">
             <a:extLst>
               <a:ext uri="{FF2B5EF4-FFF2-40B4-BE49-F238E27FC236}">
-                <a16:creationId xmlns="" xmlns:a16="http://schemas.microsoft.com/office/drawing/2014/main" id="{F8146D51-2107-1E45-9A44-E0217DAFA756}"/>
+                <a16:creationId xmlns:a16="http://schemas.microsoft.com/office/drawing/2014/main" xmlns="" id="{F8146D51-2107-1E45-9A44-E0217DAFA756}"/>
               </a:ext>
             </a:extLst>
           </p:cNvPr>
@@ -5663,7 +5704,7 @@
           <p:cNvPr id="6" name="Rectangle 5">
             <a:extLst>
               <a:ext uri="{FF2B5EF4-FFF2-40B4-BE49-F238E27FC236}">
-                <a16:creationId xmlns="" xmlns:a16="http://schemas.microsoft.com/office/drawing/2014/main" id="{358D3D15-1563-A141-919D-3F4F5E3A757A}"/>
+                <a16:creationId xmlns:a16="http://schemas.microsoft.com/office/drawing/2014/main" xmlns="" id="{358D3D15-1563-A141-919D-3F4F5E3A757A}"/>
               </a:ext>
             </a:extLst>
           </p:cNvPr>
@@ -5715,7 +5756,7 @@
           <p:cNvPr id="7" name="Rectangle 6">
             <a:extLst>
               <a:ext uri="{FF2B5EF4-FFF2-40B4-BE49-F238E27FC236}">
-                <a16:creationId xmlns="" xmlns:a16="http://schemas.microsoft.com/office/drawing/2014/main" id="{F8146D51-2107-1E45-9A44-E0217DAFA756}"/>
+                <a16:creationId xmlns:a16="http://schemas.microsoft.com/office/drawing/2014/main" xmlns="" id="{F8146D51-2107-1E45-9A44-E0217DAFA756}"/>
               </a:ext>
             </a:extLst>
           </p:cNvPr>
@@ -6736,7 +6777,7 @@
           <p:cNvPr id="6" name="Rectangle 5">
             <a:extLst>
               <a:ext uri="{FF2B5EF4-FFF2-40B4-BE49-F238E27FC236}">
-                <a16:creationId xmlns="" xmlns:a16="http://schemas.microsoft.com/office/drawing/2014/main" id="{358D3D15-1563-A141-919D-3F4F5E3A757A}"/>
+                <a16:creationId xmlns:a16="http://schemas.microsoft.com/office/drawing/2014/main" xmlns="" id="{358D3D15-1563-A141-919D-3F4F5E3A757A}"/>
               </a:ext>
             </a:extLst>
           </p:cNvPr>
@@ -6788,7 +6829,7 @@
           <p:cNvPr id="7" name="Rectangle 6">
             <a:extLst>
               <a:ext uri="{FF2B5EF4-FFF2-40B4-BE49-F238E27FC236}">
-                <a16:creationId xmlns="" xmlns:a16="http://schemas.microsoft.com/office/drawing/2014/main" id="{F8146D51-2107-1E45-9A44-E0217DAFA756}"/>
+                <a16:creationId xmlns:a16="http://schemas.microsoft.com/office/drawing/2014/main" xmlns="" id="{F8146D51-2107-1E45-9A44-E0217DAFA756}"/>
               </a:ext>
             </a:extLst>
           </p:cNvPr>
@@ -7601,7 +7642,7 @@
           <p:cNvPr id="6" name="Rectangle 5">
             <a:extLst>
               <a:ext uri="{FF2B5EF4-FFF2-40B4-BE49-F238E27FC236}">
-                <a16:creationId xmlns="" xmlns:a16="http://schemas.microsoft.com/office/drawing/2014/main" id="{358D3D15-1563-A141-919D-3F4F5E3A757A}"/>
+                <a16:creationId xmlns:a16="http://schemas.microsoft.com/office/drawing/2014/main" xmlns="" id="{358D3D15-1563-A141-919D-3F4F5E3A757A}"/>
               </a:ext>
             </a:extLst>
           </p:cNvPr>
@@ -7653,7 +7694,7 @@
           <p:cNvPr id="7" name="Rectangle 6">
             <a:extLst>
               <a:ext uri="{FF2B5EF4-FFF2-40B4-BE49-F238E27FC236}">
-                <a16:creationId xmlns="" xmlns:a16="http://schemas.microsoft.com/office/drawing/2014/main" id="{F8146D51-2107-1E45-9A44-E0217DAFA756}"/>
+                <a16:creationId xmlns:a16="http://schemas.microsoft.com/office/drawing/2014/main" xmlns="" id="{F8146D51-2107-1E45-9A44-E0217DAFA756}"/>
               </a:ext>
             </a:extLst>
           </p:cNvPr>
@@ -8353,7 +8394,7 @@
           <p:cNvPr id="6" name="Rectangle 5">
             <a:extLst>
               <a:ext uri="{FF2B5EF4-FFF2-40B4-BE49-F238E27FC236}">
-                <a16:creationId xmlns="" xmlns:a16="http://schemas.microsoft.com/office/drawing/2014/main" id="{358D3D15-1563-A141-919D-3F4F5E3A757A}"/>
+                <a16:creationId xmlns:a16="http://schemas.microsoft.com/office/drawing/2014/main" xmlns="" id="{358D3D15-1563-A141-919D-3F4F5E3A757A}"/>
               </a:ext>
             </a:extLst>
           </p:cNvPr>
@@ -8405,7 +8446,7 @@
           <p:cNvPr id="7" name="Rectangle 6">
             <a:extLst>
               <a:ext uri="{FF2B5EF4-FFF2-40B4-BE49-F238E27FC236}">
-                <a16:creationId xmlns="" xmlns:a16="http://schemas.microsoft.com/office/drawing/2014/main" id="{F8146D51-2107-1E45-9A44-E0217DAFA756}"/>
+                <a16:creationId xmlns:a16="http://schemas.microsoft.com/office/drawing/2014/main" xmlns="" id="{F8146D51-2107-1E45-9A44-E0217DAFA756}"/>
               </a:ext>
             </a:extLst>
           </p:cNvPr>
@@ -9075,7 +9116,7 @@
           <p:cNvPr id="6" name="Rectangle 5">
             <a:extLst>
               <a:ext uri="{FF2B5EF4-FFF2-40B4-BE49-F238E27FC236}">
-                <a16:creationId xmlns="" xmlns:a16="http://schemas.microsoft.com/office/drawing/2014/main" id="{358D3D15-1563-A141-919D-3F4F5E3A757A}"/>
+                <a16:creationId xmlns:a16="http://schemas.microsoft.com/office/drawing/2014/main" xmlns="" id="{358D3D15-1563-A141-919D-3F4F5E3A757A}"/>
               </a:ext>
             </a:extLst>
           </p:cNvPr>
@@ -9127,7 +9168,7 @@
           <p:cNvPr id="7" name="Rectangle 6">
             <a:extLst>
               <a:ext uri="{FF2B5EF4-FFF2-40B4-BE49-F238E27FC236}">
-                <a16:creationId xmlns="" xmlns:a16="http://schemas.microsoft.com/office/drawing/2014/main" id="{F8146D51-2107-1E45-9A44-E0217DAFA756}"/>
+                <a16:creationId xmlns:a16="http://schemas.microsoft.com/office/drawing/2014/main" xmlns="" id="{F8146D51-2107-1E45-9A44-E0217DAFA756}"/>
               </a:ext>
             </a:extLst>
           </p:cNvPr>
@@ -10153,7 +10194,7 @@
           <p:cNvPr id="6" name="Rectangle 5">
             <a:extLst>
               <a:ext uri="{FF2B5EF4-FFF2-40B4-BE49-F238E27FC236}">
-                <a16:creationId xmlns="" xmlns:a16="http://schemas.microsoft.com/office/drawing/2014/main" id="{358D3D15-1563-A141-919D-3F4F5E3A757A}"/>
+                <a16:creationId xmlns:a16="http://schemas.microsoft.com/office/drawing/2014/main" xmlns="" id="{358D3D15-1563-A141-919D-3F4F5E3A757A}"/>
               </a:ext>
             </a:extLst>
           </p:cNvPr>
@@ -10205,7 +10246,7 @@
           <p:cNvPr id="7" name="Rectangle 6">
             <a:extLst>
               <a:ext uri="{FF2B5EF4-FFF2-40B4-BE49-F238E27FC236}">
-                <a16:creationId xmlns="" xmlns:a16="http://schemas.microsoft.com/office/drawing/2014/main" id="{F8146D51-2107-1E45-9A44-E0217DAFA756}"/>
+                <a16:creationId xmlns:a16="http://schemas.microsoft.com/office/drawing/2014/main" xmlns="" id="{F8146D51-2107-1E45-9A44-E0217DAFA756}"/>
               </a:ext>
             </a:extLst>
           </p:cNvPr>
@@ -10871,7 +10912,7 @@
           <p:cNvPr id="6" name="Rectangle 5">
             <a:extLst>
               <a:ext uri="{FF2B5EF4-FFF2-40B4-BE49-F238E27FC236}">
-                <a16:creationId xmlns="" xmlns:a16="http://schemas.microsoft.com/office/drawing/2014/main" id="{358D3D15-1563-A141-919D-3F4F5E3A757A}"/>
+                <a16:creationId xmlns:a16="http://schemas.microsoft.com/office/drawing/2014/main" xmlns="" id="{358D3D15-1563-A141-919D-3F4F5E3A757A}"/>
               </a:ext>
             </a:extLst>
           </p:cNvPr>
@@ -10923,7 +10964,7 @@
           <p:cNvPr id="7" name="Rectangle 6">
             <a:extLst>
               <a:ext uri="{FF2B5EF4-FFF2-40B4-BE49-F238E27FC236}">
-                <a16:creationId xmlns="" xmlns:a16="http://schemas.microsoft.com/office/drawing/2014/main" id="{F8146D51-2107-1E45-9A44-E0217DAFA756}"/>
+                <a16:creationId xmlns:a16="http://schemas.microsoft.com/office/drawing/2014/main" xmlns="" id="{F8146D51-2107-1E45-9A44-E0217DAFA756}"/>
               </a:ext>
             </a:extLst>
           </p:cNvPr>
@@ -11595,7 +11636,7 @@
           <p:cNvPr id="6" name="Rectangle 5">
             <a:extLst>
               <a:ext uri="{FF2B5EF4-FFF2-40B4-BE49-F238E27FC236}">
-                <a16:creationId xmlns="" xmlns:a16="http://schemas.microsoft.com/office/drawing/2014/main" id="{358D3D15-1563-A141-919D-3F4F5E3A757A}"/>
+                <a16:creationId xmlns:a16="http://schemas.microsoft.com/office/drawing/2014/main" xmlns="" id="{358D3D15-1563-A141-919D-3F4F5E3A757A}"/>
               </a:ext>
             </a:extLst>
           </p:cNvPr>
@@ -11647,7 +11688,7 @@
           <p:cNvPr id="7" name="Rectangle 6">
             <a:extLst>
               <a:ext uri="{FF2B5EF4-FFF2-40B4-BE49-F238E27FC236}">
-                <a16:creationId xmlns="" xmlns:a16="http://schemas.microsoft.com/office/drawing/2014/main" id="{F8146D51-2107-1E45-9A44-E0217DAFA756}"/>
+                <a16:creationId xmlns:a16="http://schemas.microsoft.com/office/drawing/2014/main" xmlns="" id="{F8146D51-2107-1E45-9A44-E0217DAFA756}"/>
               </a:ext>
             </a:extLst>
           </p:cNvPr>
@@ -12662,7 +12703,7 @@
           <p:cNvPr id="6" name="Rectangle 5">
             <a:extLst>
               <a:ext uri="{FF2B5EF4-FFF2-40B4-BE49-F238E27FC236}">
-                <a16:creationId xmlns="" xmlns:a16="http://schemas.microsoft.com/office/drawing/2014/main" id="{358D3D15-1563-A141-919D-3F4F5E3A757A}"/>
+                <a16:creationId xmlns:a16="http://schemas.microsoft.com/office/drawing/2014/main" xmlns="" id="{358D3D15-1563-A141-919D-3F4F5E3A757A}"/>
               </a:ext>
             </a:extLst>
           </p:cNvPr>
@@ -12714,7 +12755,7 @@
           <p:cNvPr id="7" name="Rectangle 6">
             <a:extLst>
               <a:ext uri="{FF2B5EF4-FFF2-40B4-BE49-F238E27FC236}">
-                <a16:creationId xmlns="" xmlns:a16="http://schemas.microsoft.com/office/drawing/2014/main" id="{F8146D51-2107-1E45-9A44-E0217DAFA756}"/>
+                <a16:creationId xmlns:a16="http://schemas.microsoft.com/office/drawing/2014/main" xmlns="" id="{F8146D51-2107-1E45-9A44-E0217DAFA756}"/>
               </a:ext>
             </a:extLst>
           </p:cNvPr>
@@ -13133,7 +13174,7 @@
           <p:cNvPr id="6" name="Rectangle 5">
             <a:extLst>
               <a:ext uri="{FF2B5EF4-FFF2-40B4-BE49-F238E27FC236}">
-                <a16:creationId xmlns="" xmlns:a16="http://schemas.microsoft.com/office/drawing/2014/main" id="{358D3D15-1563-A141-919D-3F4F5E3A757A}"/>
+                <a16:creationId xmlns:a16="http://schemas.microsoft.com/office/drawing/2014/main" xmlns="" id="{358D3D15-1563-A141-919D-3F4F5E3A757A}"/>
               </a:ext>
             </a:extLst>
           </p:cNvPr>
@@ -13185,7 +13226,7 @@
           <p:cNvPr id="7" name="Rectangle 6">
             <a:extLst>
               <a:ext uri="{FF2B5EF4-FFF2-40B4-BE49-F238E27FC236}">
-                <a16:creationId xmlns="" xmlns:a16="http://schemas.microsoft.com/office/drawing/2014/main" id="{F8146D51-2107-1E45-9A44-E0217DAFA756}"/>
+                <a16:creationId xmlns:a16="http://schemas.microsoft.com/office/drawing/2014/main" xmlns="" id="{F8146D51-2107-1E45-9A44-E0217DAFA756}"/>
               </a:ext>
             </a:extLst>
           </p:cNvPr>
@@ -13857,7 +13898,7 @@
           <p:cNvPr id="6" name="Rectangle 5">
             <a:extLst>
               <a:ext uri="{FF2B5EF4-FFF2-40B4-BE49-F238E27FC236}">
-                <a16:creationId xmlns="" xmlns:a16="http://schemas.microsoft.com/office/drawing/2014/main" id="{358D3D15-1563-A141-919D-3F4F5E3A757A}"/>
+                <a16:creationId xmlns:a16="http://schemas.microsoft.com/office/drawing/2014/main" xmlns="" id="{358D3D15-1563-A141-919D-3F4F5E3A757A}"/>
               </a:ext>
             </a:extLst>
           </p:cNvPr>
@@ -13909,7 +13950,7 @@
           <p:cNvPr id="7" name="Rectangle 6">
             <a:extLst>
               <a:ext uri="{FF2B5EF4-FFF2-40B4-BE49-F238E27FC236}">
-                <a16:creationId xmlns="" xmlns:a16="http://schemas.microsoft.com/office/drawing/2014/main" id="{F8146D51-2107-1E45-9A44-E0217DAFA756}"/>
+                <a16:creationId xmlns:a16="http://schemas.microsoft.com/office/drawing/2014/main" xmlns="" id="{F8146D51-2107-1E45-9A44-E0217DAFA756}"/>
               </a:ext>
             </a:extLst>
           </p:cNvPr>
@@ -14938,7 +14979,7 @@
           <p:cNvPr id="6" name="Rectangle 5">
             <a:extLst>
               <a:ext uri="{FF2B5EF4-FFF2-40B4-BE49-F238E27FC236}">
-                <a16:creationId xmlns="" xmlns:a16="http://schemas.microsoft.com/office/drawing/2014/main" id="{358D3D15-1563-A141-919D-3F4F5E3A757A}"/>
+                <a16:creationId xmlns:a16="http://schemas.microsoft.com/office/drawing/2014/main" xmlns="" id="{358D3D15-1563-A141-919D-3F4F5E3A757A}"/>
               </a:ext>
             </a:extLst>
           </p:cNvPr>
@@ -14990,7 +15031,7 @@
           <p:cNvPr id="7" name="Rectangle 6">
             <a:extLst>
               <a:ext uri="{FF2B5EF4-FFF2-40B4-BE49-F238E27FC236}">
-                <a16:creationId xmlns="" xmlns:a16="http://schemas.microsoft.com/office/drawing/2014/main" id="{F8146D51-2107-1E45-9A44-E0217DAFA756}"/>
+                <a16:creationId xmlns:a16="http://schemas.microsoft.com/office/drawing/2014/main" xmlns="" id="{F8146D51-2107-1E45-9A44-E0217DAFA756}"/>
               </a:ext>
             </a:extLst>
           </p:cNvPr>
@@ -15626,7 +15667,7 @@
           <p:cNvPr id="6" name="Rectangle 5">
             <a:extLst>
               <a:ext uri="{FF2B5EF4-FFF2-40B4-BE49-F238E27FC236}">
-                <a16:creationId xmlns="" xmlns:a16="http://schemas.microsoft.com/office/drawing/2014/main" id="{358D3D15-1563-A141-919D-3F4F5E3A757A}"/>
+                <a16:creationId xmlns:a16="http://schemas.microsoft.com/office/drawing/2014/main" xmlns="" id="{358D3D15-1563-A141-919D-3F4F5E3A757A}"/>
               </a:ext>
             </a:extLst>
           </p:cNvPr>
@@ -15678,7 +15719,7 @@
           <p:cNvPr id="7" name="Rectangle 6">
             <a:extLst>
               <a:ext uri="{FF2B5EF4-FFF2-40B4-BE49-F238E27FC236}">
-                <a16:creationId xmlns="" xmlns:a16="http://schemas.microsoft.com/office/drawing/2014/main" id="{F8146D51-2107-1E45-9A44-E0217DAFA756}"/>
+                <a16:creationId xmlns:a16="http://schemas.microsoft.com/office/drawing/2014/main" xmlns="" id="{F8146D51-2107-1E45-9A44-E0217DAFA756}"/>
               </a:ext>
             </a:extLst>
           </p:cNvPr>
@@ -16710,7 +16751,7 @@
           <p:cNvPr id="6" name="Rectangle 5">
             <a:extLst>
               <a:ext uri="{FF2B5EF4-FFF2-40B4-BE49-F238E27FC236}">
-                <a16:creationId xmlns="" xmlns:a16="http://schemas.microsoft.com/office/drawing/2014/main" id="{358D3D15-1563-A141-919D-3F4F5E3A757A}"/>
+                <a16:creationId xmlns:a16="http://schemas.microsoft.com/office/drawing/2014/main" xmlns="" id="{358D3D15-1563-A141-919D-3F4F5E3A757A}"/>
               </a:ext>
             </a:extLst>
           </p:cNvPr>
@@ -16762,7 +16803,7 @@
           <p:cNvPr id="7" name="Rectangle 6">
             <a:extLst>
               <a:ext uri="{FF2B5EF4-FFF2-40B4-BE49-F238E27FC236}">
-                <a16:creationId xmlns="" xmlns:a16="http://schemas.microsoft.com/office/drawing/2014/main" id="{F8146D51-2107-1E45-9A44-E0217DAFA756}"/>
+                <a16:creationId xmlns:a16="http://schemas.microsoft.com/office/drawing/2014/main" xmlns="" id="{F8146D51-2107-1E45-9A44-E0217DAFA756}"/>
               </a:ext>
             </a:extLst>
           </p:cNvPr>
@@ -17494,7 +17535,7 @@
           <p:cNvPr id="6" name="Rectangle 5">
             <a:extLst>
               <a:ext uri="{FF2B5EF4-FFF2-40B4-BE49-F238E27FC236}">
-                <a16:creationId xmlns="" xmlns:a16="http://schemas.microsoft.com/office/drawing/2014/main" id="{358D3D15-1563-A141-919D-3F4F5E3A757A}"/>
+                <a16:creationId xmlns:a16="http://schemas.microsoft.com/office/drawing/2014/main" xmlns="" id="{358D3D15-1563-A141-919D-3F4F5E3A757A}"/>
               </a:ext>
             </a:extLst>
           </p:cNvPr>
@@ -17546,7 +17587,7 @@
           <p:cNvPr id="7" name="Rectangle 6">
             <a:extLst>
               <a:ext uri="{FF2B5EF4-FFF2-40B4-BE49-F238E27FC236}">
-                <a16:creationId xmlns="" xmlns:a16="http://schemas.microsoft.com/office/drawing/2014/main" id="{F8146D51-2107-1E45-9A44-E0217DAFA756}"/>
+                <a16:creationId xmlns:a16="http://schemas.microsoft.com/office/drawing/2014/main" xmlns="" id="{F8146D51-2107-1E45-9A44-E0217DAFA756}"/>
               </a:ext>
             </a:extLst>
           </p:cNvPr>
@@ -18567,7 +18608,7 @@
           <p:cNvPr id="6" name="Rectangle 5">
             <a:extLst>
               <a:ext uri="{FF2B5EF4-FFF2-40B4-BE49-F238E27FC236}">
-                <a16:creationId xmlns="" xmlns:a16="http://schemas.microsoft.com/office/drawing/2014/main" id="{358D3D15-1563-A141-919D-3F4F5E3A757A}"/>
+                <a16:creationId xmlns:a16="http://schemas.microsoft.com/office/drawing/2014/main" xmlns="" id="{358D3D15-1563-A141-919D-3F4F5E3A757A}"/>
               </a:ext>
             </a:extLst>
           </p:cNvPr>
@@ -18619,7 +18660,7 @@
           <p:cNvPr id="7" name="Rectangle 6">
             <a:extLst>
               <a:ext uri="{FF2B5EF4-FFF2-40B4-BE49-F238E27FC236}">
-                <a16:creationId xmlns="" xmlns:a16="http://schemas.microsoft.com/office/drawing/2014/main" id="{F8146D51-2107-1E45-9A44-E0217DAFA756}"/>
+                <a16:creationId xmlns:a16="http://schemas.microsoft.com/office/drawing/2014/main" xmlns="" id="{F8146D51-2107-1E45-9A44-E0217DAFA756}"/>
               </a:ext>
             </a:extLst>
           </p:cNvPr>
@@ -19354,7 +19395,7 @@
           <p:cNvPr id="6" name="Rectangle 5">
             <a:extLst>
               <a:ext uri="{FF2B5EF4-FFF2-40B4-BE49-F238E27FC236}">
-                <a16:creationId xmlns="" xmlns:a16="http://schemas.microsoft.com/office/drawing/2014/main" id="{358D3D15-1563-A141-919D-3F4F5E3A757A}"/>
+                <a16:creationId xmlns:a16="http://schemas.microsoft.com/office/drawing/2014/main" xmlns="" id="{358D3D15-1563-A141-919D-3F4F5E3A757A}"/>
               </a:ext>
             </a:extLst>
           </p:cNvPr>
@@ -19406,7 +19447,7 @@
           <p:cNvPr id="7" name="Rectangle 6">
             <a:extLst>
               <a:ext uri="{FF2B5EF4-FFF2-40B4-BE49-F238E27FC236}">
-                <a16:creationId xmlns="" xmlns:a16="http://schemas.microsoft.com/office/drawing/2014/main" id="{F8146D51-2107-1E45-9A44-E0217DAFA756}"/>
+                <a16:creationId xmlns:a16="http://schemas.microsoft.com/office/drawing/2014/main" xmlns="" id="{F8146D51-2107-1E45-9A44-E0217DAFA756}"/>
               </a:ext>
             </a:extLst>
           </p:cNvPr>
@@ -20430,7 +20471,7 @@
           <p:cNvPr id="6" name="Rectangle 5">
             <a:extLst>
               <a:ext uri="{FF2B5EF4-FFF2-40B4-BE49-F238E27FC236}">
-                <a16:creationId xmlns="" xmlns:a16="http://schemas.microsoft.com/office/drawing/2014/main" id="{358D3D15-1563-A141-919D-3F4F5E3A757A}"/>
+                <a16:creationId xmlns:a16="http://schemas.microsoft.com/office/drawing/2014/main" xmlns="" id="{358D3D15-1563-A141-919D-3F4F5E3A757A}"/>
               </a:ext>
             </a:extLst>
           </p:cNvPr>
@@ -20482,7 +20523,7 @@
           <p:cNvPr id="7" name="Rectangle 6">
             <a:extLst>
               <a:ext uri="{FF2B5EF4-FFF2-40B4-BE49-F238E27FC236}">
-                <a16:creationId xmlns="" xmlns:a16="http://schemas.microsoft.com/office/drawing/2014/main" id="{F8146D51-2107-1E45-9A44-E0217DAFA756}"/>
+                <a16:creationId xmlns:a16="http://schemas.microsoft.com/office/drawing/2014/main" xmlns="" id="{F8146D51-2107-1E45-9A44-E0217DAFA756}"/>
               </a:ext>
             </a:extLst>
           </p:cNvPr>
@@ -20987,7 +21028,7 @@
           <p:cNvPr id="6" name="Rectangle 5">
             <a:extLst>
               <a:ext uri="{FF2B5EF4-FFF2-40B4-BE49-F238E27FC236}">
-                <a16:creationId xmlns="" xmlns:a16="http://schemas.microsoft.com/office/drawing/2014/main" id="{358D3D15-1563-A141-919D-3F4F5E3A757A}"/>
+                <a16:creationId xmlns:a16="http://schemas.microsoft.com/office/drawing/2014/main" xmlns="" id="{358D3D15-1563-A141-919D-3F4F5E3A757A}"/>
               </a:ext>
             </a:extLst>
           </p:cNvPr>
@@ -21039,7 +21080,7 @@
           <p:cNvPr id="7" name="Rectangle 6">
             <a:extLst>
               <a:ext uri="{FF2B5EF4-FFF2-40B4-BE49-F238E27FC236}">
-                <a16:creationId xmlns="" xmlns:a16="http://schemas.microsoft.com/office/drawing/2014/main" id="{F8146D51-2107-1E45-9A44-E0217DAFA756}"/>
+                <a16:creationId xmlns:a16="http://schemas.microsoft.com/office/drawing/2014/main" xmlns="" id="{F8146D51-2107-1E45-9A44-E0217DAFA756}"/>
               </a:ext>
             </a:extLst>
           </p:cNvPr>
@@ -22050,7 +22091,7 @@
           <p:cNvPr id="6" name="Rectangle 5">
             <a:extLst>
               <a:ext uri="{FF2B5EF4-FFF2-40B4-BE49-F238E27FC236}">
-                <a16:creationId xmlns="" xmlns:a16="http://schemas.microsoft.com/office/drawing/2014/main" id="{358D3D15-1563-A141-919D-3F4F5E3A757A}"/>
+                <a16:creationId xmlns:a16="http://schemas.microsoft.com/office/drawing/2014/main" xmlns="" id="{358D3D15-1563-A141-919D-3F4F5E3A757A}"/>
               </a:ext>
             </a:extLst>
           </p:cNvPr>
@@ -22102,7 +22143,7 @@
           <p:cNvPr id="7" name="Rectangle 6">
             <a:extLst>
               <a:ext uri="{FF2B5EF4-FFF2-40B4-BE49-F238E27FC236}">
-                <a16:creationId xmlns="" xmlns:a16="http://schemas.microsoft.com/office/drawing/2014/main" id="{F8146D51-2107-1E45-9A44-E0217DAFA756}"/>
+                <a16:creationId xmlns:a16="http://schemas.microsoft.com/office/drawing/2014/main" xmlns="" id="{F8146D51-2107-1E45-9A44-E0217DAFA756}"/>
               </a:ext>
             </a:extLst>
           </p:cNvPr>
@@ -22534,7 +22575,7 @@
           <p:cNvPr id="6" name="Rectangle 5">
             <a:extLst>
               <a:ext uri="{FF2B5EF4-FFF2-40B4-BE49-F238E27FC236}">
-                <a16:creationId xmlns="" xmlns:a16="http://schemas.microsoft.com/office/drawing/2014/main" id="{358D3D15-1563-A141-919D-3F4F5E3A757A}"/>
+                <a16:creationId xmlns:a16="http://schemas.microsoft.com/office/drawing/2014/main" xmlns="" id="{358D3D15-1563-A141-919D-3F4F5E3A757A}"/>
               </a:ext>
             </a:extLst>
           </p:cNvPr>
@@ -22586,7 +22627,7 @@
           <p:cNvPr id="7" name="Rectangle 6">
             <a:extLst>
               <a:ext uri="{FF2B5EF4-FFF2-40B4-BE49-F238E27FC236}">
-                <a16:creationId xmlns="" xmlns:a16="http://schemas.microsoft.com/office/drawing/2014/main" id="{F8146D51-2107-1E45-9A44-E0217DAFA756}"/>
+                <a16:creationId xmlns:a16="http://schemas.microsoft.com/office/drawing/2014/main" xmlns="" id="{F8146D51-2107-1E45-9A44-E0217DAFA756}"/>
               </a:ext>
             </a:extLst>
           </p:cNvPr>
@@ -23048,7 +23089,7 @@
           <p:cNvPr id="6" name="Rectangle 5">
             <a:extLst>
               <a:ext uri="{FF2B5EF4-FFF2-40B4-BE49-F238E27FC236}">
-                <a16:creationId xmlns="" xmlns:a16="http://schemas.microsoft.com/office/drawing/2014/main" id="{358D3D15-1563-A141-919D-3F4F5E3A757A}"/>
+                <a16:creationId xmlns:a16="http://schemas.microsoft.com/office/drawing/2014/main" xmlns="" id="{358D3D15-1563-A141-919D-3F4F5E3A757A}"/>
               </a:ext>
             </a:extLst>
           </p:cNvPr>
@@ -23100,7 +23141,7 @@
           <p:cNvPr id="7" name="Rectangle 6">
             <a:extLst>
               <a:ext uri="{FF2B5EF4-FFF2-40B4-BE49-F238E27FC236}">
-                <a16:creationId xmlns="" xmlns:a16="http://schemas.microsoft.com/office/drawing/2014/main" id="{F8146D51-2107-1E45-9A44-E0217DAFA756}"/>
+                <a16:creationId xmlns:a16="http://schemas.microsoft.com/office/drawing/2014/main" xmlns="" id="{F8146D51-2107-1E45-9A44-E0217DAFA756}"/>
               </a:ext>
             </a:extLst>
           </p:cNvPr>
@@ -23717,7 +23758,7 @@
           <p:cNvPr id="6" name="Rectangle 5">
             <a:extLst>
               <a:ext uri="{FF2B5EF4-FFF2-40B4-BE49-F238E27FC236}">
-                <a16:creationId xmlns="" xmlns:a16="http://schemas.microsoft.com/office/drawing/2014/main" id="{358D3D15-1563-A141-919D-3F4F5E3A757A}"/>
+                <a16:creationId xmlns:a16="http://schemas.microsoft.com/office/drawing/2014/main" xmlns="" id="{358D3D15-1563-A141-919D-3F4F5E3A757A}"/>
               </a:ext>
             </a:extLst>
           </p:cNvPr>
@@ -23769,7 +23810,7 @@
           <p:cNvPr id="7" name="Rectangle 6">
             <a:extLst>
               <a:ext uri="{FF2B5EF4-FFF2-40B4-BE49-F238E27FC236}">
-                <a16:creationId xmlns="" xmlns:a16="http://schemas.microsoft.com/office/drawing/2014/main" id="{F8146D51-2107-1E45-9A44-E0217DAFA756}"/>
+                <a16:creationId xmlns:a16="http://schemas.microsoft.com/office/drawing/2014/main" xmlns="" id="{F8146D51-2107-1E45-9A44-E0217DAFA756}"/>
               </a:ext>
             </a:extLst>
           </p:cNvPr>
@@ -24318,7 +24359,7 @@
           <p:cNvPr id="6" name="Rectangle 5">
             <a:extLst>
               <a:ext uri="{FF2B5EF4-FFF2-40B4-BE49-F238E27FC236}">
-                <a16:creationId xmlns="" xmlns:a16="http://schemas.microsoft.com/office/drawing/2014/main" id="{358D3D15-1563-A141-919D-3F4F5E3A757A}"/>
+                <a16:creationId xmlns:a16="http://schemas.microsoft.com/office/drawing/2014/main" xmlns="" id="{358D3D15-1563-A141-919D-3F4F5E3A757A}"/>
               </a:ext>
             </a:extLst>
           </p:cNvPr>
@@ -24370,7 +24411,7 @@
           <p:cNvPr id="7" name="Rectangle 6">
             <a:extLst>
               <a:ext uri="{FF2B5EF4-FFF2-40B4-BE49-F238E27FC236}">
-                <a16:creationId xmlns="" xmlns:a16="http://schemas.microsoft.com/office/drawing/2014/main" id="{F8146D51-2107-1E45-9A44-E0217DAFA756}"/>
+                <a16:creationId xmlns:a16="http://schemas.microsoft.com/office/drawing/2014/main" xmlns="" id="{F8146D51-2107-1E45-9A44-E0217DAFA756}"/>
               </a:ext>
             </a:extLst>
           </p:cNvPr>
@@ -24822,7 +24863,7 @@
           <p:cNvPr id="6" name="Rectangle 5">
             <a:extLst>
               <a:ext uri="{FF2B5EF4-FFF2-40B4-BE49-F238E27FC236}">
-                <a16:creationId xmlns="" xmlns:a16="http://schemas.microsoft.com/office/drawing/2014/main" id="{358D3D15-1563-A141-919D-3F4F5E3A757A}"/>
+                <a16:creationId xmlns:a16="http://schemas.microsoft.com/office/drawing/2014/main" xmlns="" id="{358D3D15-1563-A141-919D-3F4F5E3A757A}"/>
               </a:ext>
             </a:extLst>
           </p:cNvPr>
@@ -24874,7 +24915,7 @@
           <p:cNvPr id="7" name="Rectangle 6">
             <a:extLst>
               <a:ext uri="{FF2B5EF4-FFF2-40B4-BE49-F238E27FC236}">
-                <a16:creationId xmlns="" xmlns:a16="http://schemas.microsoft.com/office/drawing/2014/main" id="{F8146D51-2107-1E45-9A44-E0217DAFA756}"/>
+                <a16:creationId xmlns:a16="http://schemas.microsoft.com/office/drawing/2014/main" xmlns="" id="{F8146D51-2107-1E45-9A44-E0217DAFA756}"/>
               </a:ext>
             </a:extLst>
           </p:cNvPr>
@@ -25396,7 +25437,7 @@
           <p:cNvPr id="6" name="Rectangle 5">
             <a:extLst>
               <a:ext uri="{FF2B5EF4-FFF2-40B4-BE49-F238E27FC236}">
-                <a16:creationId xmlns="" xmlns:a16="http://schemas.microsoft.com/office/drawing/2014/main" id="{358D3D15-1563-A141-919D-3F4F5E3A757A}"/>
+                <a16:creationId xmlns:a16="http://schemas.microsoft.com/office/drawing/2014/main" xmlns="" id="{358D3D15-1563-A141-919D-3F4F5E3A757A}"/>
               </a:ext>
             </a:extLst>
           </p:cNvPr>
@@ -25448,7 +25489,7 @@
           <p:cNvPr id="7" name="Rectangle 6">
             <a:extLst>
               <a:ext uri="{FF2B5EF4-FFF2-40B4-BE49-F238E27FC236}">
-                <a16:creationId xmlns="" xmlns:a16="http://schemas.microsoft.com/office/drawing/2014/main" id="{F8146D51-2107-1E45-9A44-E0217DAFA756}"/>
+                <a16:creationId xmlns:a16="http://schemas.microsoft.com/office/drawing/2014/main" xmlns="" id="{F8146D51-2107-1E45-9A44-E0217DAFA756}"/>
               </a:ext>
             </a:extLst>
           </p:cNvPr>
@@ -25895,7 +25936,7 @@
           <p:cNvPr id="6" name="Rectangle 5">
             <a:extLst>
               <a:ext uri="{FF2B5EF4-FFF2-40B4-BE49-F238E27FC236}">
-                <a16:creationId xmlns="" xmlns:a16="http://schemas.microsoft.com/office/drawing/2014/main" id="{358D3D15-1563-A141-919D-3F4F5E3A757A}"/>
+                <a16:creationId xmlns:a16="http://schemas.microsoft.com/office/drawing/2014/main" xmlns="" id="{358D3D15-1563-A141-919D-3F4F5E3A757A}"/>
               </a:ext>
             </a:extLst>
           </p:cNvPr>
@@ -25947,7 +25988,7 @@
           <p:cNvPr id="7" name="Rectangle 6">
             <a:extLst>
               <a:ext uri="{FF2B5EF4-FFF2-40B4-BE49-F238E27FC236}">
-                <a16:creationId xmlns="" xmlns:a16="http://schemas.microsoft.com/office/drawing/2014/main" id="{F8146D51-2107-1E45-9A44-E0217DAFA756}"/>
+                <a16:creationId xmlns:a16="http://schemas.microsoft.com/office/drawing/2014/main" xmlns="" id="{F8146D51-2107-1E45-9A44-E0217DAFA756}"/>
               </a:ext>
             </a:extLst>
           </p:cNvPr>
@@ -26496,7 +26537,7 @@
           <p:cNvPr id="6" name="Rectangle 5">
             <a:extLst>
               <a:ext uri="{FF2B5EF4-FFF2-40B4-BE49-F238E27FC236}">
-                <a16:creationId xmlns="" xmlns:a16="http://schemas.microsoft.com/office/drawing/2014/main" id="{358D3D15-1563-A141-919D-3F4F5E3A757A}"/>
+                <a16:creationId xmlns:a16="http://schemas.microsoft.com/office/drawing/2014/main" xmlns="" id="{358D3D15-1563-A141-919D-3F4F5E3A757A}"/>
               </a:ext>
             </a:extLst>
           </p:cNvPr>
@@ -26548,7 +26589,7 @@
           <p:cNvPr id="7" name="Rectangle 6">
             <a:extLst>
               <a:ext uri="{FF2B5EF4-FFF2-40B4-BE49-F238E27FC236}">
-                <a16:creationId xmlns="" xmlns:a16="http://schemas.microsoft.com/office/drawing/2014/main" id="{F8146D51-2107-1E45-9A44-E0217DAFA756}"/>
+                <a16:creationId xmlns:a16="http://schemas.microsoft.com/office/drawing/2014/main" xmlns="" id="{F8146D51-2107-1E45-9A44-E0217DAFA756}"/>
               </a:ext>
             </a:extLst>
           </p:cNvPr>
@@ -26991,7 +27032,7 @@
           <p:cNvPr id="6" name="Rectangle 5">
             <a:extLst>
               <a:ext uri="{FF2B5EF4-FFF2-40B4-BE49-F238E27FC236}">
-                <a16:creationId xmlns="" xmlns:a16="http://schemas.microsoft.com/office/drawing/2014/main" id="{358D3D15-1563-A141-919D-3F4F5E3A757A}"/>
+                <a16:creationId xmlns:a16="http://schemas.microsoft.com/office/drawing/2014/main" xmlns="" id="{358D3D15-1563-A141-919D-3F4F5E3A757A}"/>
               </a:ext>
             </a:extLst>
           </p:cNvPr>
@@ -27043,7 +27084,7 @@
           <p:cNvPr id="7" name="Rectangle 6">
             <a:extLst>
               <a:ext uri="{FF2B5EF4-FFF2-40B4-BE49-F238E27FC236}">
-                <a16:creationId xmlns="" xmlns:a16="http://schemas.microsoft.com/office/drawing/2014/main" id="{F8146D51-2107-1E45-9A44-E0217DAFA756}"/>
+                <a16:creationId xmlns:a16="http://schemas.microsoft.com/office/drawing/2014/main" xmlns="" id="{F8146D51-2107-1E45-9A44-E0217DAFA756}"/>
               </a:ext>
             </a:extLst>
           </p:cNvPr>
@@ -27191,7 +27232,7 @@
           <p:cNvPr id="5" name="Picture 4">
             <a:extLst>
               <a:ext uri="{FF2B5EF4-FFF2-40B4-BE49-F238E27FC236}">
-                <a16:creationId xmlns="" xmlns:a16="http://schemas.microsoft.com/office/drawing/2014/main" id="{FD296CEE-968D-0AD5-40F3-2324C1107C0F}"/>
+                <a16:creationId xmlns:a16="http://schemas.microsoft.com/office/drawing/2014/main" xmlns="" id="{FD296CEE-968D-0AD5-40F3-2324C1107C0F}"/>
               </a:ext>
             </a:extLst>
           </p:cNvPr>
@@ -27483,7 +27524,7 @@
           <p:cNvPr id="6" name="Rectangle 5">
             <a:extLst>
               <a:ext uri="{FF2B5EF4-FFF2-40B4-BE49-F238E27FC236}">
-                <a16:creationId xmlns="" xmlns:a16="http://schemas.microsoft.com/office/drawing/2014/main" id="{358D3D15-1563-A141-919D-3F4F5E3A757A}"/>
+                <a16:creationId xmlns:a16="http://schemas.microsoft.com/office/drawing/2014/main" xmlns="" id="{358D3D15-1563-A141-919D-3F4F5E3A757A}"/>
               </a:ext>
             </a:extLst>
           </p:cNvPr>
@@ -27535,7 +27576,7 @@
           <p:cNvPr id="7" name="Rectangle 6">
             <a:extLst>
               <a:ext uri="{FF2B5EF4-FFF2-40B4-BE49-F238E27FC236}">
-                <a16:creationId xmlns="" xmlns:a16="http://schemas.microsoft.com/office/drawing/2014/main" id="{F8146D51-2107-1E45-9A44-E0217DAFA756}"/>
+                <a16:creationId xmlns:a16="http://schemas.microsoft.com/office/drawing/2014/main" xmlns="" id="{F8146D51-2107-1E45-9A44-E0217DAFA756}"/>
               </a:ext>
             </a:extLst>
           </p:cNvPr>
@@ -27768,7 +27809,7 @@
           <p:cNvPr id="3" name="Picture 2">
             <a:extLst>
               <a:ext uri="{FF2B5EF4-FFF2-40B4-BE49-F238E27FC236}">
-                <a16:creationId xmlns="" xmlns:a16="http://schemas.microsoft.com/office/drawing/2014/main" id="{97263F25-FC55-A108-7606-5EEDA7E45ACC}"/>
+                <a16:creationId xmlns:a16="http://schemas.microsoft.com/office/drawing/2014/main" xmlns="" id="{97263F25-FC55-A108-7606-5EEDA7E45ACC}"/>
               </a:ext>
             </a:extLst>
           </p:cNvPr>
